--- a/PPT/JS/03JavaScript运算符.pptx
+++ b/PPT/JS/03JavaScript运算符.pptx
@@ -121,6 +121,11 @@
       </a:defRPr>
     </a:lvl9pPr>
   </p:defaultTextStyle>
+  <p:extLst>
+    <p:ext uri="{505F2C04-C923-438B-8C0F-E0CD2BADF298}">
+      <wppc:fontMiss xmlns:wppc="http://www.wps.cn/officeDocument/PresentationCustomData" type="true"/>
+    </p:ext>
+  </p:extLst>
 </p:presentation>
 </file>
 
@@ -13413,6 +13418,14 @@
                 </a:solidFill>
               </a:rPr>
               <a:t>3</a:t>
+            </a:r>
+            <a:r>
+              <a:rPr lang="zh-CN" altLang="en-US">
+                <a:solidFill>
+                  <a:schemeClr val="tx1"/>
+                </a:solidFill>
+              </a:rPr>
+              <a:t>；</a:t>
             </a:r>
             <a:endParaRPr lang="en-US" altLang="zh-CN">
               <a:solidFill>
